--- a/DeepDiveIntoDeepLearning.pptx
+++ b/DeepDiveIntoDeepLearning.pptx
@@ -8744,7 +8744,7 @@
         </p:blipFill>
         <p:spPr>
           <a:xfrm>
-            <a:off x="2666323" y="1678496"/>
+            <a:off x="726441" y="1678496"/>
             <a:ext cx="1939882" cy="4351338"/>
           </a:xfrm>
         </p:spPr>
@@ -8761,8 +8761,8 @@
         </p:nvSpPr>
         <p:spPr>
           <a:xfrm>
-            <a:off x="5352287" y="1846834"/>
-            <a:ext cx="6521057" cy="4351338"/>
+            <a:off x="3459637" y="1846834"/>
+            <a:ext cx="8413707" cy="4351338"/>
           </a:xfrm>
         </p:spPr>
         <p:txBody>
@@ -8784,6 +8784,13 @@
             <a:r>
               <a:rPr lang="en-GB" dirty="0" err="1" smtClean="0"/>
               <a:t>garyshort</a:t>
+            </a:r>
+            <a:endParaRPr lang="en-GB" dirty="0" smtClean="0"/>
+          </a:p>
+          <a:p>
+            <a:r>
+              <a:rPr lang="en-GB" sz="2400" dirty="0"/>
+              <a:t>https://github.com/garyshort/DeepDiveIntoDeepLearning.git</a:t>
             </a:r>
             <a:endParaRPr lang="en-GB" sz="2400" dirty="0"/>
           </a:p>
